--- a/paper_memo/Transfer in Reinforcement Learning_a Framework and a Survey.pptx
+++ b/paper_memo/Transfer in Reinforcement Learning_a Framework and a Survey.pptx
@@ -10,13 +10,15 @@
     <p:sldMasterId id="2147483866" r:id="rId6"/>
   </p:sldMasterIdLst>
   <p:notesMasterIdLst>
-    <p:notesMasterId r:id="rId11"/>
+    <p:notesMasterId r:id="rId13"/>
   </p:notesMasterIdLst>
   <p:sldIdLst>
     <p:sldId id="1501" r:id="rId7"/>
     <p:sldId id="1502" r:id="rId8"/>
     <p:sldId id="1503" r:id="rId9"/>
     <p:sldId id="1504" r:id="rId10"/>
+    <p:sldId id="1506" r:id="rId11"/>
+    <p:sldId id="1505" r:id="rId12"/>
   </p:sldIdLst>
   <p:sldSz cx="9144000" cy="6858000" type="screen4x3"/>
   <p:notesSz cx="6797675" cy="9926638"/>
@@ -228,7 +230,7 @@
           <a:p>
             <a:fld id="{83208C70-AAA5-4490-97B1-BC26ED1C0CB0}" type="datetimeFigureOut">
               <a:rPr kumimoji="1" lang="ja-JP" altLang="en-US" smtClean="0"/>
-              <a:t>2020/5/3</a:t>
+              <a:t>2020/5/12</a:t>
             </a:fld>
             <a:endParaRPr kumimoji="1" lang="ja-JP" altLang="en-US"/>
           </a:p>
@@ -713,7 +715,7 @@
                 </a:solidFill>
               </a:rPr>
               <a:pPr/>
-              <a:t>2020/5/3</a:t>
+              <a:t>2020/5/12</a:t>
             </a:fld>
             <a:endParaRPr lang="ja-JP" altLang="en-US" dirty="0">
               <a:solidFill>
@@ -945,7 +947,7 @@
                 </a:solidFill>
               </a:rPr>
               <a:pPr/>
-              <a:t>2020/5/3</a:t>
+              <a:t>2020/5/12</a:t>
             </a:fld>
             <a:endParaRPr lang="ja-JP" altLang="en-US" dirty="0">
               <a:solidFill>
@@ -1187,7 +1189,7 @@
                 </a:solidFill>
               </a:rPr>
               <a:pPr/>
-              <a:t>2020/5/3</a:t>
+              <a:t>2020/5/12</a:t>
             </a:fld>
             <a:endParaRPr lang="ja-JP" altLang="en-US" dirty="0">
               <a:solidFill>
@@ -1833,7 +1835,7 @@
                 </a:solidFill>
               </a:rPr>
               <a:pPr/>
-              <a:t>2020/5/3</a:t>
+              <a:t>2020/5/12</a:t>
             </a:fld>
             <a:endParaRPr lang="ja-JP" altLang="en-US">
               <a:solidFill>
@@ -2065,7 +2067,7 @@
                 </a:solidFill>
               </a:rPr>
               <a:pPr/>
-              <a:t>2020/5/3</a:t>
+              <a:t>2020/5/12</a:t>
             </a:fld>
             <a:endParaRPr lang="ja-JP" altLang="en-US">
               <a:solidFill>
@@ -2342,7 +2344,7 @@
                 </a:solidFill>
               </a:rPr>
               <a:pPr/>
-              <a:t>2020/5/3</a:t>
+              <a:t>2020/5/12</a:t>
             </a:fld>
             <a:endParaRPr lang="ja-JP" altLang="en-US">
               <a:solidFill>
@@ -2723,7 +2725,7 @@
                 </a:solidFill>
               </a:rPr>
               <a:pPr/>
-              <a:t>2020/5/3</a:t>
+              <a:t>2020/5/12</a:t>
             </a:fld>
             <a:endParaRPr lang="ja-JP" altLang="en-US">
               <a:solidFill>
@@ -3238,7 +3240,7 @@
                 </a:solidFill>
               </a:rPr>
               <a:pPr/>
-              <a:t>2020/5/3</a:t>
+              <a:t>2020/5/12</a:t>
             </a:fld>
             <a:endParaRPr lang="ja-JP" altLang="en-US">
               <a:solidFill>
@@ -3387,7 +3389,7 @@
                 </a:solidFill>
               </a:rPr>
               <a:pPr/>
-              <a:t>2020/5/3</a:t>
+              <a:t>2020/5/12</a:t>
             </a:fld>
             <a:endParaRPr lang="ja-JP" altLang="en-US">
               <a:solidFill>
@@ -3514,7 +3516,7 @@
                 </a:solidFill>
               </a:rPr>
               <a:pPr/>
-              <a:t>2020/5/3</a:t>
+              <a:t>2020/5/12</a:t>
             </a:fld>
             <a:endParaRPr lang="ja-JP" altLang="en-US">
               <a:solidFill>
@@ -3746,7 +3748,7 @@
                 </a:solidFill>
               </a:rPr>
               <a:pPr/>
-              <a:t>2020/5/3</a:t>
+              <a:t>2020/5/12</a:t>
             </a:fld>
             <a:endParaRPr lang="ja-JP" altLang="en-US" dirty="0">
               <a:solidFill>
@@ -4085,7 +4087,7 @@
                 </a:solidFill>
               </a:rPr>
               <a:pPr/>
-              <a:t>2020/5/3</a:t>
+              <a:t>2020/5/12</a:t>
             </a:fld>
             <a:endParaRPr lang="ja-JP" altLang="en-US">
               <a:solidFill>
@@ -4372,7 +4374,7 @@
                 </a:solidFill>
               </a:rPr>
               <a:pPr/>
-              <a:t>2020/5/3</a:t>
+              <a:t>2020/5/12</a:t>
             </a:fld>
             <a:endParaRPr lang="ja-JP" altLang="en-US">
               <a:solidFill>
@@ -4604,7 +4606,7 @@
                 </a:solidFill>
               </a:rPr>
               <a:pPr/>
-              <a:t>2020/5/3</a:t>
+              <a:t>2020/5/12</a:t>
             </a:fld>
             <a:endParaRPr lang="ja-JP" altLang="en-US">
               <a:solidFill>
@@ -4846,7 +4848,7 @@
                 </a:solidFill>
               </a:rPr>
               <a:pPr/>
-              <a:t>2020/5/3</a:t>
+              <a:t>2020/5/12</a:t>
             </a:fld>
             <a:endParaRPr lang="ja-JP" altLang="en-US">
               <a:solidFill>
@@ -5663,7 +5665,7 @@
                 </a:solidFill>
               </a:rPr>
               <a:pPr/>
-              <a:t>2020/5/3</a:t>
+              <a:t>2020/5/12</a:t>
             </a:fld>
             <a:endParaRPr lang="ja-JP" altLang="en-US">
               <a:solidFill>
@@ -5790,7 +5792,7 @@
                 </a:solidFill>
               </a:rPr>
               <a:pPr/>
-              <a:t>2020/5/3</a:t>
+              <a:t>2020/5/12</a:t>
             </a:fld>
             <a:endParaRPr lang="ja-JP" altLang="en-US">
               <a:solidFill>
@@ -5917,7 +5919,7 @@
                 </a:solidFill>
               </a:rPr>
               <a:pPr/>
-              <a:t>2020/5/3</a:t>
+              <a:t>2020/5/12</a:t>
             </a:fld>
             <a:endParaRPr lang="ja-JP" altLang="en-US">
               <a:solidFill>
@@ -6194,7 +6196,7 @@
                 </a:solidFill>
               </a:rPr>
               <a:pPr/>
-              <a:t>2020/5/3</a:t>
+              <a:t>2020/5/12</a:t>
             </a:fld>
             <a:endParaRPr lang="ja-JP" altLang="en-US" dirty="0">
               <a:solidFill>
@@ -6321,7 +6323,7 @@
                 </a:solidFill>
               </a:rPr>
               <a:pPr/>
-              <a:t>2020/5/3</a:t>
+              <a:t>2020/5/12</a:t>
             </a:fld>
             <a:endParaRPr lang="ja-JP" altLang="en-US">
               <a:solidFill>
@@ -6448,7 +6450,7 @@
                 </a:solidFill>
               </a:rPr>
               <a:pPr/>
-              <a:t>2020/5/3</a:t>
+              <a:t>2020/5/12</a:t>
             </a:fld>
             <a:endParaRPr lang="ja-JP" altLang="en-US">
               <a:solidFill>
@@ -6575,7 +6577,7 @@
                 </a:solidFill>
               </a:rPr>
               <a:pPr/>
-              <a:t>2020/5/3</a:t>
+              <a:t>2020/5/12</a:t>
             </a:fld>
             <a:endParaRPr lang="ja-JP" altLang="en-US">
               <a:solidFill>
@@ -6702,7 +6704,7 @@
                 </a:solidFill>
               </a:rPr>
               <a:pPr/>
-              <a:t>2020/5/3</a:t>
+              <a:t>2020/5/12</a:t>
             </a:fld>
             <a:endParaRPr lang="ja-JP" altLang="en-US">
               <a:solidFill>
@@ -6829,7 +6831,7 @@
                 </a:solidFill>
               </a:rPr>
               <a:pPr/>
-              <a:t>2020/5/3</a:t>
+              <a:t>2020/5/12</a:t>
             </a:fld>
             <a:endParaRPr lang="ja-JP" altLang="en-US">
               <a:solidFill>
@@ -6956,7 +6958,7 @@
                 </a:solidFill>
               </a:rPr>
               <a:pPr/>
-              <a:t>2020/5/3</a:t>
+              <a:t>2020/5/12</a:t>
             </a:fld>
             <a:endParaRPr lang="ja-JP" altLang="en-US">
               <a:solidFill>
@@ -7083,7 +7085,7 @@
                 </a:solidFill>
               </a:rPr>
               <a:pPr/>
-              <a:t>2020/5/3</a:t>
+              <a:t>2020/5/12</a:t>
             </a:fld>
             <a:endParaRPr lang="ja-JP" altLang="en-US">
               <a:solidFill>
@@ -7210,7 +7212,7 @@
                 </a:solidFill>
               </a:rPr>
               <a:pPr/>
-              <a:t>2020/5/3</a:t>
+              <a:t>2020/5/12</a:t>
             </a:fld>
             <a:endParaRPr lang="ja-JP" altLang="en-US">
               <a:solidFill>
@@ -7345,7 +7347,7 @@
                 </a:solidFill>
               </a:rPr>
               <a:pPr/>
-              <a:t>2020/5/3</a:t>
+              <a:t>2020/5/12</a:t>
             </a:fld>
             <a:endParaRPr lang="ja-JP" altLang="en-US">
               <a:solidFill>
@@ -7496,7 +7498,7 @@
                 </a:solidFill>
               </a:rPr>
               <a:pPr/>
-              <a:t>2020/5/3</a:t>
+              <a:t>2020/5/12</a:t>
             </a:fld>
             <a:endParaRPr lang="ja-JP" altLang="en-US">
               <a:solidFill>
@@ -7893,7 +7895,7 @@
                 </a:solidFill>
               </a:rPr>
               <a:pPr/>
-              <a:t>2020/5/3</a:t>
+              <a:t>2020/5/12</a:t>
             </a:fld>
             <a:endParaRPr lang="ja-JP" altLang="en-US" dirty="0">
               <a:solidFill>
@@ -8174,7 +8176,7 @@
                 </a:solidFill>
               </a:rPr>
               <a:pPr/>
-              <a:t>2020/5/3</a:t>
+              <a:t>2020/5/12</a:t>
             </a:fld>
             <a:endParaRPr lang="ja-JP" altLang="en-US">
               <a:solidFill>
@@ -8428,7 +8430,7 @@
                 </a:solidFill>
               </a:rPr>
               <a:pPr/>
-              <a:t>2020/5/3</a:t>
+              <a:t>2020/5/12</a:t>
             </a:fld>
             <a:endParaRPr lang="ja-JP" altLang="en-US">
               <a:solidFill>
@@ -8722,7 +8724,7 @@
                 </a:solidFill>
               </a:rPr>
               <a:pPr/>
-              <a:t>2020/5/3</a:t>
+              <a:t>2020/5/12</a:t>
             </a:fld>
             <a:endParaRPr lang="ja-JP" altLang="en-US">
               <a:solidFill>
@@ -9123,7 +9125,7 @@
                 </a:solidFill>
               </a:rPr>
               <a:pPr/>
-              <a:t>2020/5/3</a:t>
+              <a:t>2020/5/12</a:t>
             </a:fld>
             <a:endParaRPr lang="ja-JP" altLang="en-US">
               <a:solidFill>
@@ -9664,7 +9666,7 @@
                 </a:solidFill>
               </a:rPr>
               <a:pPr/>
-              <a:t>2020/5/3</a:t>
+              <a:t>2020/5/12</a:t>
             </a:fld>
             <a:endParaRPr lang="ja-JP" altLang="en-US">
               <a:solidFill>
@@ -9832,7 +9834,7 @@
                 </a:solidFill>
               </a:rPr>
               <a:pPr/>
-              <a:t>2020/5/3</a:t>
+              <a:t>2020/5/12</a:t>
             </a:fld>
             <a:endParaRPr lang="ja-JP" altLang="en-US">
               <a:solidFill>
@@ -9973,7 +9975,7 @@
                 </a:solidFill>
               </a:rPr>
               <a:pPr/>
-              <a:t>2020/5/3</a:t>
+              <a:t>2020/5/12</a:t>
             </a:fld>
             <a:endParaRPr lang="ja-JP" altLang="en-US">
               <a:solidFill>
@@ -10332,7 +10334,7 @@
                 </a:solidFill>
               </a:rPr>
               <a:pPr/>
-              <a:t>2020/5/3</a:t>
+              <a:t>2020/5/12</a:t>
             </a:fld>
             <a:endParaRPr lang="ja-JP" altLang="en-US">
               <a:solidFill>
@@ -10636,7 +10638,7 @@
                 </a:solidFill>
               </a:rPr>
               <a:pPr/>
-              <a:t>2020/5/3</a:t>
+              <a:t>2020/5/12</a:t>
             </a:fld>
             <a:endParaRPr lang="ja-JP" altLang="en-US">
               <a:solidFill>
@@ -10890,7 +10892,7 @@
                 </a:solidFill>
               </a:rPr>
               <a:pPr/>
-              <a:t>2020/5/3</a:t>
+              <a:t>2020/5/12</a:t>
             </a:fld>
             <a:endParaRPr lang="ja-JP" altLang="en-US">
               <a:solidFill>
@@ -11413,7 +11415,7 @@
                 </a:solidFill>
               </a:rPr>
               <a:pPr/>
-              <a:t>2020/5/3</a:t>
+              <a:t>2020/5/12</a:t>
             </a:fld>
             <a:endParaRPr lang="ja-JP" altLang="en-US" dirty="0">
               <a:solidFill>
@@ -11664,7 +11666,7 @@
                 </a:solidFill>
               </a:rPr>
               <a:pPr/>
-              <a:t>2020/5/3</a:t>
+              <a:t>2020/5/12</a:t>
             </a:fld>
             <a:endParaRPr lang="ja-JP" altLang="en-US">
               <a:solidFill>
@@ -14830,7 +14832,7 @@
                 </a:solidFill>
               </a:rPr>
               <a:pPr/>
-              <a:t>2020/5/3</a:t>
+              <a:t>2020/5/12</a:t>
             </a:fld>
             <a:endParaRPr lang="ja-JP" altLang="en-US" dirty="0">
               <a:solidFill>
@@ -14957,7 +14959,7 @@
                 </a:solidFill>
               </a:rPr>
               <a:pPr/>
-              <a:t>2020/5/3</a:t>
+              <a:t>2020/5/12</a:t>
             </a:fld>
             <a:endParaRPr lang="ja-JP" altLang="en-US" dirty="0">
               <a:solidFill>
@@ -15296,7 +15298,7 @@
                 </a:solidFill>
               </a:rPr>
               <a:pPr/>
-              <a:t>2020/5/3</a:t>
+              <a:t>2020/5/12</a:t>
             </a:fld>
             <a:endParaRPr lang="ja-JP" altLang="en-US" dirty="0">
               <a:solidFill>
@@ -15583,7 +15585,7 @@
                 </a:solidFill>
               </a:rPr>
               <a:pPr/>
-              <a:t>2020/5/3</a:t>
+              <a:t>2020/5/12</a:t>
             </a:fld>
             <a:endParaRPr lang="ja-JP" altLang="en-US" dirty="0">
               <a:solidFill>
@@ -15858,7 +15860,7 @@
                 </a:solidFill>
               </a:rPr>
               <a:pPr/>
-              <a:t>2020/5/3</a:t>
+              <a:t>2020/5/12</a:t>
             </a:fld>
             <a:endParaRPr lang="ja-JP" altLang="en-US" dirty="0">
               <a:solidFill>
@@ -16775,7 +16777,7 @@
                 </a:solidFill>
               </a:rPr>
               <a:pPr/>
-              <a:t>2020/5/3</a:t>
+              <a:t>2020/5/12</a:t>
             </a:fld>
             <a:endParaRPr lang="ja-JP" altLang="en-US" dirty="0">
               <a:solidFill>
@@ -18124,7 +18126,7 @@
                 </a:solidFill>
               </a:rPr>
               <a:pPr/>
-              <a:t>2020/5/3</a:t>
+              <a:t>2020/5/12</a:t>
             </a:fld>
             <a:endParaRPr lang="ja-JP" altLang="en-US">
               <a:solidFill>
@@ -19494,7 +19496,7 @@
                 </a:solidFill>
               </a:rPr>
               <a:pPr defTabSz="913630"/>
-              <a:t>2020/5/3</a:t>
+              <a:t>2020/5/12</a:t>
             </a:fld>
             <a:endParaRPr lang="ja-JP" altLang="en-US">
               <a:solidFill>
@@ -21127,17 +21129,21 @@
           <a:lstStyle/>
           <a:p>
             <a:r>
-              <a:rPr lang="ja-JP" altLang="en-US" sz="1600"/>
-              <a:t>♦︎</a:t>
+              <a:rPr lang="ja-JP" altLang="en-US" sz="1600" dirty="0"/>
+              <a:t>♦</a:t>
+            </a:r>
+            <a:r>
+              <a:rPr lang="en-US" altLang="ja-JP" sz="1600" dirty="0" smtClean="0"/>
+              <a:t>Representation </a:t>
             </a:r>
             <a:r>
               <a:rPr lang="en-US" altLang="ja-JP" sz="1600" dirty="0"/>
-              <a:t>Representation transfer</a:t>
-            </a:r>
-          </a:p>
-          <a:p>
-            <a:r>
-              <a:rPr lang="ja-JP" altLang="en-US" sz="1600"/>
+              <a:t>transfer</a:t>
+            </a:r>
+          </a:p>
+          <a:p>
+            <a:r>
+              <a:rPr lang="ja-JP" altLang="en-US" sz="1600" dirty="0"/>
               <a:t>・</a:t>
             </a:r>
             <a:r>
@@ -21145,14 +21151,14 @@
               <a:t>option</a:t>
             </a:r>
             <a:r>
-              <a:rPr lang="ja-JP" altLang="en-US" sz="1600"/>
+              <a:rPr lang="ja-JP" altLang="en-US" sz="1600" dirty="0"/>
               <a:t>の獲得（階層型強化学習）</a:t>
             </a:r>
             <a:endParaRPr lang="en-US" altLang="ja-JP" sz="1600" dirty="0"/>
           </a:p>
           <a:p>
             <a:r>
-              <a:rPr lang="ja-JP" altLang="en-US" sz="1600"/>
+              <a:rPr lang="ja-JP" altLang="en-US" sz="1600" dirty="0"/>
               <a:t>・新しい</a:t>
             </a:r>
             <a:r>
@@ -21160,42 +21166,42 @@
               <a:t>action-space</a:t>
             </a:r>
             <a:r>
-              <a:rPr lang="ja-JP" altLang="en-US" sz="1600"/>
+              <a:rPr lang="ja-JP" altLang="en-US" sz="1600" dirty="0"/>
               <a:t>の獲得。</a:t>
             </a:r>
             <a:endParaRPr lang="en-US" altLang="ja-JP" sz="1600" dirty="0"/>
           </a:p>
           <a:p>
             <a:r>
-              <a:rPr lang="ja-JP" altLang="en-US" sz="1600"/>
+              <a:rPr lang="ja-JP" altLang="en-US" sz="1600" dirty="0"/>
               <a:t>１つのソースタスクからランダム要素を追加して複数のタスクを生成し、どのタスクでも最適でない行動は行動空間から除外して、新しい行動空間を作成する</a:t>
             </a:r>
             <a:endParaRPr lang="en-US" altLang="ja-JP" sz="1600" dirty="0"/>
           </a:p>
           <a:p>
             <a:r>
-              <a:rPr lang="ja-JP" altLang="en-US" sz="1600"/>
+              <a:rPr lang="ja-JP" altLang="en-US" sz="1600" dirty="0"/>
               <a:t>学習スピードの改善を狙っている</a:t>
             </a:r>
             <a:endParaRPr lang="en-US" altLang="ja-JP" sz="1600" dirty="0"/>
           </a:p>
           <a:p>
             <a:r>
-              <a:rPr lang="ja-JP" altLang="en-US" sz="1600"/>
+              <a:rPr lang="ja-JP" altLang="en-US" sz="1600" dirty="0"/>
               <a:t>・特徴量の獲得</a:t>
             </a:r>
             <a:endParaRPr lang="en-US" altLang="ja-JP" sz="1600" dirty="0"/>
           </a:p>
           <a:p>
             <a:r>
-              <a:rPr lang="ja-JP" altLang="en-US" sz="1600"/>
+              <a:rPr lang="ja-JP" altLang="en-US" sz="1600" dirty="0"/>
               <a:t>価値関数をうまく近似するための特徴量を獲得する</a:t>
             </a:r>
             <a:endParaRPr lang="en-US" altLang="ja-JP" sz="1600" dirty="0"/>
           </a:p>
           <a:p>
             <a:r>
-              <a:rPr lang="ja-JP" altLang="en-US" sz="1600"/>
+              <a:rPr lang="ja-JP" altLang="en-US" sz="1600" dirty="0"/>
               <a:t>漸近性能の向上を狙っている</a:t>
             </a:r>
             <a:endParaRPr lang="en-US" altLang="ja-JP" sz="1600" dirty="0"/>
@@ -21205,7 +21211,7 @@
           </a:p>
           <a:p>
             <a:r>
-              <a:rPr lang="ja-JP" altLang="en-US" sz="1600"/>
+              <a:rPr lang="ja-JP" altLang="en-US" sz="1600" dirty="0"/>
               <a:t>♦</a:t>
             </a:r>
             <a:r>
@@ -21215,7 +21221,7 @@
           </a:p>
           <a:p>
             <a:r>
-              <a:rPr lang="ja-JP" altLang="en-US" sz="1600"/>
+              <a:rPr lang="ja-JP" altLang="en-US" sz="1600" dirty="0"/>
               <a:t>暗黙にソースとターゲットが類似していることを仮定しているが、類似の定義もたくさん考えられる</a:t>
             </a:r>
             <a:endParaRPr lang="en-US" altLang="ja-JP" sz="1600" dirty="0"/>
@@ -21226,7 +21232,7 @@
               <a:t>Ferns et al (2004) and Phillips (2006)</a:t>
             </a:r>
             <a:r>
-              <a:rPr lang="ja-JP" altLang="en-US" sz="1600"/>
+              <a:rPr lang="ja-JP" altLang="en-US" sz="1600" dirty="0"/>
               <a:t>だけが転移性能を明示的に測定しようとした</a:t>
             </a:r>
             <a:endParaRPr lang="en-US" altLang="ja-JP" sz="1600" dirty="0"/>
@@ -21693,17 +21699,21 @@
           <a:lstStyle/>
           <a:p>
             <a:r>
-              <a:rPr lang="ja-JP" altLang="en-US" sz="1400"/>
-              <a:t>♦︎</a:t>
+              <a:rPr lang="ja-JP" altLang="en-US" sz="1400" dirty="0" smtClean="0"/>
+              <a:t>♦</a:t>
+            </a:r>
+            <a:r>
+              <a:rPr lang="en-US" altLang="ja-JP" sz="1400" dirty="0" smtClean="0"/>
+              <a:t>Instance </a:t>
             </a:r>
             <a:r>
               <a:rPr lang="en-US" altLang="ja-JP" sz="1400" dirty="0"/>
-              <a:t>Instance transfer</a:t>
-            </a:r>
-          </a:p>
-          <a:p>
-            <a:r>
-              <a:rPr lang="ja-JP" altLang="en-US" sz="1400"/>
+              <a:t>transfer</a:t>
+            </a:r>
+          </a:p>
+          <a:p>
+            <a:r>
+              <a:rPr lang="ja-JP" altLang="en-US" sz="1400" dirty="0"/>
               <a:t>ソースとターゲットの類似性に基づいて選択的にサンプルを転移する方法の紹介</a:t>
             </a:r>
             <a:r>
@@ -21721,7 +21731,7 @@
           </a:p>
           <a:p>
             <a:r>
-              <a:rPr lang="ja-JP" altLang="en-US" sz="1400"/>
+              <a:rPr lang="ja-JP" altLang="en-US" sz="1400" dirty="0"/>
               <a:t>以下の式によるソースとターゲットの類似度に比例して転移させるサンプル数を決める</a:t>
             </a:r>
             <a:r>
@@ -21783,7 +21793,7 @@
         <p:spPr>
           <a:xfrm>
             <a:off x="69010" y="3517424"/>
-            <a:ext cx="9005977" cy="2893100"/>
+            <a:ext cx="9005977" cy="3539430"/>
           </a:xfrm>
           <a:prstGeom prst="rect">
             <a:avLst/>
@@ -21796,7 +21806,7 @@
           <a:lstStyle/>
           <a:p>
             <a:r>
-              <a:rPr lang="ja-JP" altLang="en-US" sz="1400"/>
+              <a:rPr lang="ja-JP" altLang="en-US" sz="1400" dirty="0"/>
               <a:t>♦︎</a:t>
             </a:r>
             <a:r>
@@ -21806,7 +21816,7 @@
           </a:p>
           <a:p>
             <a:r>
-              <a:rPr lang="ja-JP" altLang="en-US" sz="1400"/>
+              <a:rPr lang="ja-JP" altLang="en-US" sz="1400" dirty="0"/>
               <a:t>・</a:t>
             </a:r>
             <a:r>
@@ -21816,14 +21826,14 @@
           </a:p>
           <a:p>
             <a:r>
-              <a:rPr lang="ja-JP" altLang="en-US" sz="1400"/>
+              <a:rPr lang="ja-JP" altLang="en-US" sz="1400" dirty="0"/>
               <a:t>学習スピードの向上を狙っている</a:t>
             </a:r>
             <a:endParaRPr lang="en-US" altLang="ja-JP" sz="1400" dirty="0"/>
           </a:p>
           <a:p>
             <a:r>
-              <a:rPr lang="ja-JP" altLang="en-US" sz="1400"/>
+              <a:rPr lang="ja-JP" altLang="en-US" sz="1400" dirty="0"/>
               <a:t>・</a:t>
             </a:r>
             <a:r>
@@ -21833,14 +21843,14 @@
           </a:p>
           <a:p>
             <a:r>
-              <a:rPr lang="ja-JP" altLang="en-US" sz="1400"/>
+              <a:rPr lang="ja-JP" altLang="en-US" sz="1400" dirty="0"/>
               <a:t>学習スピードの向上を狙っているものと関数近似の正確性を狙っているものがある</a:t>
             </a:r>
             <a:endParaRPr lang="en-US" altLang="ja-JP" sz="1400" dirty="0"/>
           </a:p>
           <a:p>
             <a:r>
-              <a:rPr lang="ja-JP" altLang="en-US" sz="1400"/>
+              <a:rPr lang="ja-JP" altLang="en-US" sz="1400" dirty="0"/>
               <a:t>スピードアップのためソースタスクから環境を表す特徴を抽出する。基本離散</a:t>
             </a:r>
             <a:r>
@@ -21848,14 +21858,14 @@
               <a:t>MDPs</a:t>
             </a:r>
             <a:r>
-              <a:rPr lang="ja-JP" altLang="en-US" sz="1400"/>
+              <a:rPr lang="ja-JP" altLang="en-US" sz="1400" dirty="0"/>
               <a:t>が対象。</a:t>
             </a:r>
             <a:endParaRPr lang="en-US" altLang="ja-JP" sz="1400" dirty="0"/>
           </a:p>
           <a:p>
             <a:r>
-              <a:rPr lang="ja-JP" altLang="en-US" sz="1400"/>
+              <a:rPr lang="ja-JP" altLang="en-US" sz="1400" dirty="0"/>
               <a:t>関数近似の正確性向上のために、少数でうまく近似できる特徴量を抽出する。基本連続環境が対象。</a:t>
             </a:r>
             <a:endParaRPr lang="en-US" altLang="ja-JP" sz="1400" dirty="0"/>
@@ -21865,7 +21875,7 @@
           </a:p>
           <a:p>
             <a:r>
-              <a:rPr lang="ja-JP" altLang="en-US" sz="1400"/>
+              <a:rPr lang="ja-JP" altLang="en-US" sz="1400" dirty="0"/>
               <a:t>♦︎</a:t>
             </a:r>
             <a:r>
@@ -21879,7 +21889,7 @@
               <a:t>jump-start</a:t>
             </a:r>
             <a:r>
-              <a:rPr lang="ja-JP" altLang="en-US" sz="1400"/>
+              <a:rPr lang="ja-JP" altLang="en-US" sz="1400" dirty="0"/>
               <a:t>と学習に必要なサンプルを減らすためにタスクスペース</a:t>
             </a:r>
             <a:r>
@@ -21887,7 +21897,7 @@
               <a:t>M</a:t>
             </a:r>
             <a:r>
-              <a:rPr lang="ja-JP" altLang="en-US" sz="1400"/>
+              <a:rPr lang="ja-JP" altLang="en-US" sz="1400" dirty="0"/>
               <a:t>を生み出す分布</a:t>
             </a:r>
             <a:r>
@@ -21895,14 +21905,14 @@
               <a:t>Ω</a:t>
             </a:r>
             <a:r>
-              <a:rPr lang="ja-JP" altLang="en-US" sz="1400"/>
+              <a:rPr lang="ja-JP" altLang="en-US" sz="1400" dirty="0"/>
               <a:t>を推定する。</a:t>
             </a:r>
             <a:endParaRPr lang="en-US" altLang="ja-JP" sz="1400" dirty="0"/>
           </a:p>
           <a:p>
             <a:r>
-              <a:rPr lang="ja-JP" altLang="en-US" sz="1400"/>
+              <a:rPr lang="ja-JP" altLang="en-US" sz="1400" dirty="0"/>
               <a:t>パラメータ</a:t>
             </a:r>
             <a:r>
@@ -21910,7 +21920,7 @@
               <a:t>θ</a:t>
             </a:r>
             <a:r>
-              <a:rPr lang="ja-JP" altLang="en-US" sz="1400"/>
+              <a:rPr lang="ja-JP" altLang="en-US" sz="1400" dirty="0"/>
               <a:t>は</a:t>
             </a:r>
             <a:r>
@@ -21918,7 +21928,7 @@
               <a:t>Ω</a:t>
             </a:r>
             <a:r>
-              <a:rPr lang="ja-JP" altLang="en-US" sz="1400"/>
+              <a:rPr lang="ja-JP" altLang="en-US" sz="1400" dirty="0"/>
               <a:t>に従い、</a:t>
             </a:r>
             <a:r>
@@ -21926,14 +21936,14 @@
               <a:t>i.i.d</a:t>
             </a:r>
             <a:r>
-              <a:rPr lang="ja-JP" altLang="en-US" sz="1400"/>
+              <a:rPr lang="ja-JP" altLang="en-US" sz="1400" dirty="0"/>
               <a:t>であることが前提。</a:t>
             </a:r>
             <a:endParaRPr lang="en-US" altLang="ja-JP" sz="1400" dirty="0"/>
           </a:p>
           <a:p>
             <a:r>
-              <a:rPr lang="ja-JP" altLang="en-US" sz="1400"/>
+              <a:rPr lang="ja-JP" altLang="en-US" sz="1400" dirty="0"/>
               <a:t>・</a:t>
             </a:r>
             <a:r>
@@ -21947,7 +21957,7 @@
               <a:t>θ</a:t>
             </a:r>
             <a:r>
-              <a:rPr lang="ja-JP" altLang="en-US" sz="1400"/>
+              <a:rPr lang="ja-JP" altLang="en-US" sz="1400" dirty="0"/>
               <a:t>を生み出すハイパーパラメータの</a:t>
             </a:r>
             <a:r>
@@ -21955,8 +21965,32 @@
               <a:t>Ψ</a:t>
             </a:r>
             <a:r>
-              <a:rPr lang="ja-JP" altLang="en-US" sz="1400"/>
-              <a:t>を推定する</a:t>
+              <a:rPr lang="ja-JP" altLang="en-US" sz="1400" dirty="0"/>
+              <a:t>を推定</a:t>
+            </a:r>
+            <a:r>
+              <a:rPr lang="ja-JP" altLang="en-US" sz="1400" dirty="0" smtClean="0"/>
+              <a:t>する</a:t>
+            </a:r>
+            <a:endParaRPr lang="en-US" altLang="ja-JP" sz="1400" dirty="0" smtClean="0"/>
+          </a:p>
+          <a:p>
+            <a:endParaRPr lang="en-US" altLang="ja-JP" sz="1400" dirty="0"/>
+          </a:p>
+          <a:p>
+            <a:r>
+              <a:rPr lang="ja-JP" altLang="en-US" sz="1400" dirty="0" smtClean="0"/>
+              <a:t>♦</a:t>
+            </a:r>
+            <a:r>
+              <a:rPr lang="en-US" altLang="ja-JP" sz="1400" dirty="0" smtClean="0"/>
+              <a:t>Inference for transfer</a:t>
+            </a:r>
+          </a:p>
+          <a:p>
+            <a:r>
+              <a:rPr lang="ja-JP" altLang="en-US" sz="1400" dirty="0" smtClean="0"/>
+              <a:t>行動価値や状態価値を推測して、ターゲットタスクの初期化に利用する。</a:t>
             </a:r>
             <a:endParaRPr lang="en-US" altLang="ja-JP" sz="1400" dirty="0"/>
           </a:p>
@@ -21977,7 +22011,7 @@
           <p:nvPr/>
         </p:nvPicPr>
         <p:blipFill>
-          <a:blip r:embed="rId3">
+          <a:blip r:embed="rId3" cstate="print">
             <a:extLst>
               <a:ext uri="{28A0092B-C50C-407E-A947-70E740481C1C}">
                 <a14:useLocalDpi xmlns:a14="http://schemas.microsoft.com/office/drawing/2010/main" val="0"/>
@@ -21998,10 +22032,849 @@
           </a:prstGeom>
         </p:spPr>
       </p:pic>
+      <p:sp>
+        <p:nvSpPr>
+          <p:cNvPr id="2" name="正方形/長方形 1"/>
+          <p:cNvSpPr/>
+          <p:nvPr/>
+        </p:nvSpPr>
+        <p:spPr bwMode="auto">
+          <a:xfrm>
+            <a:off x="69010" y="2320506"/>
+            <a:ext cx="7830981" cy="1217757"/>
+          </a:xfrm>
+          <a:prstGeom prst="rect">
+            <a:avLst/>
+          </a:prstGeom>
+          <a:noFill/>
+          <a:ln w="9525">
+            <a:solidFill>
+              <a:srgbClr val="0066FF"/>
+            </a:solidFill>
+            <a:round/>
+            <a:headEnd/>
+            <a:tailEnd type="none" w="sm" len="sm"/>
+          </a:ln>
+          <a:effectLst>
+            <a:glow rad="25400">
+              <a:schemeClr val="bg1">
+                <a:alpha val="97000"/>
+              </a:schemeClr>
+            </a:glow>
+          </a:effectLst>
+        </p:spPr>
+        <p:txBody>
+          <a:bodyPr rtlCol="0" anchor="ctr"/>
+          <a:lstStyle/>
+          <a:p>
+            <a:pPr algn="ctr"/>
+            <a:endParaRPr kumimoji="1" lang="ja-JP" altLang="en-US"/>
+          </a:p>
+        </p:txBody>
+      </p:sp>
     </p:spTree>
     <p:extLst>
       <p:ext uri="{BB962C8B-B14F-4D97-AF65-F5344CB8AC3E}">
         <p14:creationId xmlns:p14="http://schemas.microsoft.com/office/powerpoint/2010/main" val="1271133852"/>
+      </p:ext>
+    </p:extLst>
+  </p:cSld>
+  <p:clrMapOvr>
+    <a:masterClrMapping/>
+  </p:clrMapOvr>
+</p:sld>
+</file>
+
+<file path=ppt/slides/slide5.xml><?xml version="1.0" encoding="utf-8"?>
+<p:sld xmlns:a="http://schemas.openxmlformats.org/drawingml/2006/main" xmlns:r="http://schemas.openxmlformats.org/officeDocument/2006/relationships" xmlns:p="http://schemas.openxmlformats.org/presentationml/2006/main">
+  <p:cSld>
+    <p:spTree>
+      <p:nvGrpSpPr>
+        <p:cNvPr id="1" name=""/>
+        <p:cNvGrpSpPr/>
+        <p:nvPr/>
+      </p:nvGrpSpPr>
+      <p:grpSpPr>
+        <a:xfrm>
+          <a:off x="0" y="0"/>
+          <a:ext cx="0" cy="0"/>
+          <a:chOff x="0" y="0"/>
+          <a:chExt cx="0" cy="0"/>
+        </a:xfrm>
+      </p:grpSpPr>
+      <p:sp>
+        <p:nvSpPr>
+          <p:cNvPr id="25" name="テキスト ボックス 24"/>
+          <p:cNvSpPr txBox="1"/>
+          <p:nvPr/>
+        </p:nvSpPr>
+        <p:spPr>
+          <a:xfrm>
+            <a:off x="-1" y="0"/>
+            <a:ext cx="9144001" cy="246221"/>
+          </a:xfrm>
+          <a:prstGeom prst="rect">
+            <a:avLst/>
+          </a:prstGeom>
+          <a:noFill/>
+        </p:spPr>
+        <p:txBody>
+          <a:bodyPr wrap="square" lIns="0" tIns="0" rIns="0" bIns="0" rtlCol="0">
+            <a:spAutoFit/>
+          </a:bodyPr>
+          <a:lstStyle/>
+          <a:p>
+            <a:r>
+              <a:rPr lang="en-US" altLang="zh-TW" sz="1600" dirty="0">
+                <a:solidFill>
+                  <a:schemeClr val="bg1"/>
+                </a:solidFill>
+                <a:latin typeface="Meiryo UI" pitchFamily="50" charset="-128"/>
+                <a:ea typeface="Meiryo UI" pitchFamily="50" charset="-128"/>
+                <a:cs typeface="Meiryo UI" pitchFamily="50" charset="-128"/>
+              </a:rPr>
+              <a:t>Transfer in Reinforcement </a:t>
+            </a:r>
+            <a:r>
+              <a:rPr lang="en-US" altLang="zh-TW" sz="1600" dirty="0" err="1">
+                <a:solidFill>
+                  <a:schemeClr val="bg1"/>
+                </a:solidFill>
+                <a:latin typeface="Meiryo UI" pitchFamily="50" charset="-128"/>
+                <a:ea typeface="Meiryo UI" pitchFamily="50" charset="-128"/>
+                <a:cs typeface="Meiryo UI" pitchFamily="50" charset="-128"/>
+              </a:rPr>
+              <a:t>Learning_a</a:t>
+            </a:r>
+            <a:r>
+              <a:rPr lang="en-US" altLang="zh-TW" sz="1600" dirty="0">
+                <a:solidFill>
+                  <a:schemeClr val="bg1"/>
+                </a:solidFill>
+                <a:latin typeface="Meiryo UI" pitchFamily="50" charset="-128"/>
+                <a:ea typeface="Meiryo UI" pitchFamily="50" charset="-128"/>
+                <a:cs typeface="Meiryo UI" pitchFamily="50" charset="-128"/>
+              </a:rPr>
+              <a:t> Framework and a Survey</a:t>
+            </a:r>
+            <a:endParaRPr kumimoji="1" lang="ja-JP" altLang="en-US" sz="1600" dirty="0">
+              <a:solidFill>
+                <a:schemeClr val="bg1"/>
+              </a:solidFill>
+              <a:latin typeface="Meiryo UI" pitchFamily="50" charset="-128"/>
+              <a:ea typeface="Meiryo UI" pitchFamily="50" charset="-128"/>
+              <a:cs typeface="Meiryo UI" pitchFamily="50" charset="-128"/>
+            </a:endParaRPr>
+          </a:p>
+        </p:txBody>
+      </p:sp>
+      <p:sp>
+        <p:nvSpPr>
+          <p:cNvPr id="34" name="正方形/長方形 33"/>
+          <p:cNvSpPr/>
+          <p:nvPr/>
+        </p:nvSpPr>
+        <p:spPr>
+          <a:xfrm>
+            <a:off x="-1" y="579118"/>
+            <a:ext cx="9005977" cy="338554"/>
+          </a:xfrm>
+          <a:prstGeom prst="rect">
+            <a:avLst/>
+          </a:prstGeom>
+        </p:spPr>
+        <p:txBody>
+          <a:bodyPr wrap="square">
+            <a:spAutoFit/>
+          </a:bodyPr>
+          <a:lstStyle/>
+          <a:p>
+            <a:r>
+              <a:rPr lang="ja-JP" altLang="en-US" sz="1600" dirty="0"/>
+              <a:t>■</a:t>
+            </a:r>
+            <a:r>
+              <a:rPr lang="en-US" altLang="ja-JP" sz="1600" dirty="0"/>
+              <a:t> ﻿</a:t>
+            </a:r>
+            <a:r>
+              <a:rPr lang="en-US" altLang="ja-JP" sz="1600" dirty="0" smtClean="0"/>
+              <a:t>Methods </a:t>
+            </a:r>
+            <a:r>
+              <a:rPr lang="en-US" altLang="ja-JP" sz="1600" dirty="0"/>
+              <a:t>for Transfer from Source to Target Tasks with a Different State-Action Spaces</a:t>
+            </a:r>
+            <a:endParaRPr lang="en-US" altLang="ja-JP" sz="1600" dirty="0"/>
+          </a:p>
+        </p:txBody>
+      </p:sp>
+      <p:sp>
+        <p:nvSpPr>
+          <p:cNvPr id="7" name="正方形/長方形 6">
+            <a:extLst>
+              <a:ext uri="{FF2B5EF4-FFF2-40B4-BE49-F238E27FC236}">
+                <a16:creationId xmlns:a16="http://schemas.microsoft.com/office/drawing/2014/main" id="{7E285AEE-007E-9443-8365-E52D710290EB}"/>
+              </a:ext>
+            </a:extLst>
+          </p:cNvPr>
+          <p:cNvSpPr/>
+          <p:nvPr/>
+        </p:nvSpPr>
+        <p:spPr>
+          <a:xfrm>
+            <a:off x="297512" y="2073099"/>
+            <a:ext cx="8846488" cy="4832092"/>
+          </a:xfrm>
+          <a:prstGeom prst="rect">
+            <a:avLst/>
+          </a:prstGeom>
+        </p:spPr>
+        <p:txBody>
+          <a:bodyPr wrap="square">
+            <a:spAutoFit/>
+          </a:bodyPr>
+          <a:lstStyle/>
+          <a:p>
+            <a:r>
+              <a:rPr lang="ja-JP" altLang="en-US" sz="1400" dirty="0" smtClean="0"/>
+              <a:t>♦</a:t>
+            </a:r>
+            <a:r>
+              <a:rPr lang="en-US" altLang="ja-JP" sz="1400" dirty="0" smtClean="0"/>
+              <a:t>Instance Transfer</a:t>
+            </a:r>
+          </a:p>
+          <a:p>
+            <a:r>
+              <a:rPr lang="ja-JP" altLang="en-US" sz="1400" dirty="0" smtClean="0"/>
+              <a:t>ハンドコードマッピングによりソースタスクのサンプルをターゲットタスクのサンプルに変換</a:t>
+            </a:r>
+            <a:endParaRPr lang="en-US" altLang="ja-JP" sz="1400" dirty="0" smtClean="0"/>
+          </a:p>
+          <a:p>
+            <a:endParaRPr lang="en-US" altLang="ja-JP" sz="1400" dirty="0"/>
+          </a:p>
+          <a:p>
+            <a:r>
+              <a:rPr lang="ja-JP" altLang="en-US" sz="1400" dirty="0" smtClean="0"/>
+              <a:t>♦</a:t>
+            </a:r>
+            <a:r>
+              <a:rPr lang="en-US" altLang="ja-JP" sz="1400" dirty="0" smtClean="0"/>
+              <a:t>Representation Transfer</a:t>
+            </a:r>
+          </a:p>
+          <a:p>
+            <a:r>
+              <a:rPr lang="ja-JP" altLang="en-US" sz="1400" dirty="0"/>
+              <a:t>抽象化</a:t>
+            </a:r>
+            <a:r>
+              <a:rPr lang="ja-JP" altLang="en-US" sz="1400" dirty="0" smtClean="0"/>
+              <a:t>されたオプションなどにより知識を転移させる</a:t>
+            </a:r>
+            <a:endParaRPr lang="en-US" altLang="ja-JP" sz="1400" dirty="0" smtClean="0"/>
+          </a:p>
+          <a:p>
+            <a:r>
+              <a:rPr lang="en-US" altLang="ja-JP" sz="1400" dirty="0" err="1" smtClean="0"/>
+              <a:t>Homomorhism</a:t>
+            </a:r>
+            <a:r>
+              <a:rPr lang="en-US" altLang="ja-JP" sz="1400" dirty="0" smtClean="0"/>
+              <a:t> framework</a:t>
+            </a:r>
+            <a:r>
+              <a:rPr lang="ja-JP" altLang="en-US" sz="1400" dirty="0" smtClean="0"/>
+              <a:t>をソースからタスクへのマッピングに使っている例も</a:t>
+            </a:r>
+            <a:r>
+              <a:rPr lang="en-US" altLang="ja-JP" sz="1400" dirty="0" smtClean="0"/>
+              <a:t>(</a:t>
+            </a:r>
+            <a:r>
+              <a:rPr lang="sv-SE" altLang="ja-JP" sz="1400" dirty="0"/>
+              <a:t>Ravindran and Barto (2003); Soni and Singh (2006) </a:t>
+            </a:r>
+            <a:r>
+              <a:rPr lang="en-US" altLang="ja-JP" sz="1400" dirty="0" smtClean="0"/>
+              <a:t>)</a:t>
+            </a:r>
+          </a:p>
+          <a:p>
+            <a:endParaRPr lang="en-US" altLang="ja-JP" sz="1400" dirty="0"/>
+          </a:p>
+          <a:p>
+            <a:r>
+              <a:rPr lang="ja-JP" altLang="en-US" sz="1400" dirty="0" smtClean="0"/>
+              <a:t>♦</a:t>
+            </a:r>
+            <a:r>
+              <a:rPr lang="en-US" altLang="ja-JP" sz="1400" dirty="0" smtClean="0"/>
+              <a:t>Parameter Transfer</a:t>
+            </a:r>
+          </a:p>
+          <a:p>
+            <a:r>
+              <a:rPr lang="ja-JP" altLang="en-US" sz="1400" dirty="0" smtClean="0"/>
+              <a:t>ほとんどの</a:t>
+            </a:r>
+            <a:r>
+              <a:rPr lang="ja-JP" altLang="en-US" sz="1400" dirty="0"/>
+              <a:t>アプローチ</a:t>
+            </a:r>
+            <a:r>
+              <a:rPr lang="ja-JP" altLang="en-US" sz="1400" dirty="0" smtClean="0"/>
+              <a:t>がハンドコードマッピング</a:t>
+            </a:r>
+            <a:endParaRPr lang="en-US" altLang="ja-JP" sz="1400" dirty="0" smtClean="0"/>
+          </a:p>
+          <a:p>
+            <a:endParaRPr lang="en-US" altLang="ja-JP" sz="1400" dirty="0" smtClean="0"/>
+          </a:p>
+          <a:p>
+            <a:r>
+              <a:rPr lang="en-US" altLang="ja-JP" sz="1400" dirty="0"/>
+              <a:t>Banerjee and Stone (2007)</a:t>
+            </a:r>
+            <a:r>
+              <a:rPr lang="ja-JP" altLang="en-US" sz="1400" dirty="0"/>
+              <a:t>は、異なるゲームが共通の抽象構造で表現できる一般的なゲームの文脈での価値関数の伝達についても検討している。</a:t>
+            </a:r>
+            <a:endParaRPr lang="en-US" altLang="ja-JP" sz="1400" dirty="0"/>
+          </a:p>
+          <a:p>
+            <a:r>
+              <a:rPr lang="en-US" altLang="ja-JP" sz="1400" dirty="0"/>
+              <a:t>Banerjee and Stone (2007) also consider the transfer of value functions in the context of general games where different games can be represented by a common abstract structure</a:t>
+            </a:r>
+            <a:r>
+              <a:rPr lang="en-US" altLang="ja-JP" sz="1400" dirty="0" smtClean="0"/>
+              <a:t>.</a:t>
+            </a:r>
+          </a:p>
+          <a:p>
+            <a:r>
+              <a:rPr lang="en-US" altLang="ja-JP" sz="1400" dirty="0">
+                <a:hlinkClick r:id="rId2"/>
+              </a:rPr>
+              <a:t>https://</a:t>
+            </a:r>
+            <a:r>
+              <a:rPr lang="en-US" altLang="ja-JP" sz="1400" dirty="0" smtClean="0">
+                <a:hlinkClick r:id="rId2"/>
+              </a:rPr>
+              <a:t>www.ijcai.org/Proceedings/07/Papers/107.pdf</a:t>
+            </a:r>
+            <a:endParaRPr lang="en-US" altLang="ja-JP" sz="1400" dirty="0" smtClean="0"/>
+          </a:p>
+          <a:p>
+            <a:endParaRPr lang="en-US" altLang="ja-JP" sz="1400" dirty="0"/>
+          </a:p>
+          <a:p>
+            <a:r>
+              <a:rPr lang="en-US" altLang="ja-JP" sz="1400" dirty="0"/>
+              <a:t> Taylor et al (2008b) introduce the MASTER </a:t>
+            </a:r>
+            <a:r>
+              <a:rPr lang="en-US" altLang="ja-JP" sz="1400" dirty="0" smtClean="0"/>
+              <a:t>algorithm</a:t>
+            </a:r>
+          </a:p>
+          <a:p>
+            <a:r>
+              <a:rPr lang="ja-JP" altLang="en-US" sz="1400" dirty="0" smtClean="0"/>
+              <a:t>比較的</a:t>
+            </a:r>
+            <a:r>
+              <a:rPr lang="ja-JP" altLang="en-US" sz="1400" dirty="0"/>
+              <a:t>多</a:t>
+            </a:r>
+            <a:r>
+              <a:rPr lang="ja-JP" altLang="en-US" sz="1400" dirty="0" smtClean="0"/>
+              <a:t>くのソースタスクサンプルと少数のターゲットタスクサンプルを用意する。</a:t>
+            </a:r>
+            <a:endParaRPr lang="en-US" altLang="ja-JP" sz="1400" dirty="0" smtClean="0"/>
+          </a:p>
+          <a:p>
+            <a:r>
+              <a:rPr lang="ja-JP" altLang="en-US" sz="1400" dirty="0" smtClean="0"/>
+              <a:t>まずターゲットタスクサンプルからターゲットタスクの状態遷移確率</a:t>
+            </a:r>
+            <a:r>
+              <a:rPr lang="en-US" altLang="ja-JP" sz="1400" dirty="0" smtClean="0"/>
+              <a:t>Tt</a:t>
+            </a:r>
+            <a:r>
+              <a:rPr lang="ja-JP" altLang="en-US" sz="1400" dirty="0" err="1" smtClean="0"/>
+              <a:t>を近</a:t>
+            </a:r>
+            <a:r>
+              <a:rPr lang="ja-JP" altLang="en-US" sz="1400" dirty="0" smtClean="0"/>
+              <a:t>似計算する。</a:t>
+            </a:r>
+            <a:endParaRPr lang="en-US" altLang="ja-JP" sz="1400" dirty="0" smtClean="0"/>
+          </a:p>
+          <a:p>
+            <a:r>
+              <a:rPr lang="ja-JP" altLang="en-US" sz="1400" dirty="0" smtClean="0"/>
+              <a:t>その後ソースタスクのサンプルを写像</a:t>
+            </a:r>
+            <a:r>
+              <a:rPr lang="en-US" altLang="ja-JP" sz="1400" dirty="0" smtClean="0"/>
+              <a:t>X</a:t>
+            </a:r>
+            <a:r>
+              <a:rPr lang="ja-JP" altLang="en-US" sz="1400" dirty="0" smtClean="0"/>
+              <a:t>によりターゲットタスクに変換し、</a:t>
+            </a:r>
+            <a:r>
+              <a:rPr lang="en-US" altLang="ja-JP" sz="1400" dirty="0" smtClean="0"/>
+              <a:t>X(s_n</a:t>
+            </a:r>
+            <a:r>
+              <a:rPr lang="en-US" altLang="ja-JP" sz="1400" dirty="0" smtClean="0"/>
+              <a:t>+1</a:t>
+            </a:r>
+            <a:r>
+              <a:rPr lang="en-US" altLang="ja-JP" sz="1400" dirty="0" smtClean="0"/>
+              <a:t>)</a:t>
+            </a:r>
+            <a:r>
+              <a:rPr lang="ja-JP" altLang="en-US" sz="1400" dirty="0" smtClean="0"/>
+              <a:t>と</a:t>
+            </a:r>
+            <a:r>
+              <a:rPr lang="en-US" altLang="ja-JP" sz="1400" dirty="0" smtClean="0"/>
+              <a:t>Tt</a:t>
+            </a:r>
+            <a:r>
+              <a:rPr lang="en-US" altLang="ja-JP" sz="1400" dirty="0" smtClean="0"/>
+              <a:t>(X(</a:t>
+            </a:r>
+            <a:r>
+              <a:rPr lang="en-US" altLang="ja-JP" sz="1400" dirty="0" err="1" smtClean="0"/>
+              <a:t>s_n</a:t>
+            </a:r>
+            <a:r>
+              <a:rPr lang="en-US" altLang="ja-JP" sz="1400" dirty="0" smtClean="0"/>
+              <a:t>), a)</a:t>
+            </a:r>
+            <a:r>
+              <a:rPr lang="ja-JP" altLang="en-US" sz="1400" dirty="0" smtClean="0"/>
+              <a:t>を比較。</a:t>
+            </a:r>
+            <a:endParaRPr lang="en-US" altLang="ja-JP" sz="1400" dirty="0" smtClean="0"/>
+          </a:p>
+          <a:p>
+            <a:r>
+              <a:rPr lang="ja-JP" altLang="en-US" sz="1400" dirty="0" smtClean="0"/>
+              <a:t>考えうるすべての写像</a:t>
+            </a:r>
+            <a:r>
+              <a:rPr lang="en-US" altLang="ja-JP" sz="1400" dirty="0" smtClean="0"/>
+              <a:t>X</a:t>
+            </a:r>
+            <a:r>
+              <a:rPr lang="ja-JP" altLang="en-US" sz="1400" dirty="0" smtClean="0"/>
+              <a:t>についてこれを行い、最も良い写像を採用する。</a:t>
+            </a:r>
+            <a:endParaRPr lang="en-US" altLang="ja-JP" sz="1400" dirty="0"/>
+          </a:p>
+        </p:txBody>
+      </p:sp>
+      <p:sp>
+        <p:nvSpPr>
+          <p:cNvPr id="13" name="正方形/長方形 12">
+            <a:extLst>
+              <a:ext uri="{FF2B5EF4-FFF2-40B4-BE49-F238E27FC236}">
+                <a16:creationId xmlns:a16="http://schemas.microsoft.com/office/drawing/2014/main" id="{7E285AEE-007E-9443-8365-E52D710290EB}"/>
+              </a:ext>
+            </a:extLst>
+          </p:cNvPr>
+          <p:cNvSpPr/>
+          <p:nvPr/>
+        </p:nvSpPr>
+        <p:spPr>
+          <a:xfrm>
+            <a:off x="449913" y="924594"/>
+            <a:ext cx="6539224" cy="954107"/>
+          </a:xfrm>
+          <a:prstGeom prst="rect">
+            <a:avLst/>
+          </a:prstGeom>
+        </p:spPr>
+        <p:txBody>
+          <a:bodyPr wrap="square">
+            <a:spAutoFit/>
+          </a:bodyPr>
+          <a:lstStyle/>
+          <a:p>
+            <a:r>
+              <a:rPr lang="en-US" altLang="ja-JP" sz="1400" dirty="0" smtClean="0"/>
+              <a:t>3</a:t>
+            </a:r>
+            <a:r>
+              <a:rPr lang="ja-JP" altLang="en-US" sz="1400" dirty="0" err="1" smtClean="0"/>
+              <a:t>つの</a:t>
+            </a:r>
+            <a:r>
+              <a:rPr lang="ja-JP" altLang="en-US" sz="1400" dirty="0" smtClean="0"/>
+              <a:t>アプローチ</a:t>
+            </a:r>
+            <a:endParaRPr lang="en-US" altLang="ja-JP" sz="1400" dirty="0" smtClean="0"/>
+          </a:p>
+          <a:p>
+            <a:r>
+              <a:rPr lang="ja-JP" altLang="en-US" sz="1400" dirty="0" smtClean="0"/>
+              <a:t>・知識</a:t>
+            </a:r>
+            <a:r>
+              <a:rPr lang="en-US" altLang="ja-JP" sz="1400" dirty="0" smtClean="0"/>
+              <a:t>Ks</a:t>
+            </a:r>
+            <a:r>
+              <a:rPr lang="ja-JP" altLang="en-US" sz="1400" dirty="0" smtClean="0"/>
+              <a:t>を</a:t>
+            </a:r>
+            <a:r>
+              <a:rPr lang="en-US" altLang="ja-JP" sz="1400" dirty="0" err="1" smtClean="0"/>
+              <a:t>Kt</a:t>
+            </a:r>
+            <a:r>
+              <a:rPr lang="ja-JP" altLang="en-US" sz="1400" dirty="0" smtClean="0"/>
+              <a:t>にハンドコードで変換</a:t>
+            </a:r>
+            <a:endParaRPr lang="en-US" altLang="ja-JP" sz="1400" dirty="0" smtClean="0"/>
+          </a:p>
+          <a:p>
+            <a:r>
+              <a:rPr lang="ja-JP" altLang="en-US" sz="1400" dirty="0" smtClean="0"/>
+              <a:t>・タスク</a:t>
+            </a:r>
+            <a:r>
+              <a:rPr lang="en-US" altLang="ja-JP" sz="1400" dirty="0" err="1" smtClean="0"/>
+              <a:t>Ms</a:t>
+            </a:r>
+            <a:r>
+              <a:rPr lang="ja-JP" altLang="en-US" sz="1400" dirty="0" smtClean="0"/>
+              <a:t>から</a:t>
+            </a:r>
+            <a:r>
+              <a:rPr lang="en-US" altLang="ja-JP" sz="1400" dirty="0" smtClean="0"/>
+              <a:t>Mt</a:t>
+            </a:r>
+            <a:r>
+              <a:rPr lang="ja-JP" altLang="en-US" sz="1400" dirty="0" err="1" smtClean="0"/>
+              <a:t>への</a:t>
+            </a:r>
+            <a:r>
+              <a:rPr lang="ja-JP" altLang="en-US" sz="1400" dirty="0" smtClean="0"/>
+              <a:t>返還を学習し、</a:t>
+            </a:r>
+            <a:r>
+              <a:rPr lang="en-US" altLang="ja-JP" sz="1400" dirty="0" smtClean="0"/>
+              <a:t>Ks</a:t>
+            </a:r>
+            <a:r>
+              <a:rPr lang="ja-JP" altLang="en-US" sz="1400" dirty="0" smtClean="0"/>
+              <a:t>を</a:t>
+            </a:r>
+            <a:r>
+              <a:rPr lang="en-US" altLang="ja-JP" sz="1400" dirty="0" err="1" smtClean="0"/>
+              <a:t>Kt</a:t>
+            </a:r>
+            <a:r>
+              <a:rPr lang="ja-JP" altLang="en-US" sz="1400" dirty="0" smtClean="0"/>
+              <a:t>に変換</a:t>
+            </a:r>
+            <a:endParaRPr lang="en-US" altLang="ja-JP" sz="1400" dirty="0" smtClean="0"/>
+          </a:p>
+          <a:p>
+            <a:r>
+              <a:rPr lang="ja-JP" altLang="en-US" sz="1400" dirty="0" smtClean="0"/>
+              <a:t>・</a:t>
+            </a:r>
+            <a:r>
+              <a:rPr lang="en-US" altLang="ja-JP" sz="1400" dirty="0" smtClean="0"/>
+              <a:t>Ks</a:t>
+            </a:r>
+            <a:r>
+              <a:rPr lang="ja-JP" altLang="en-US" sz="1400" dirty="0" smtClean="0"/>
+              <a:t>から抽象的な知識を抽出して</a:t>
+            </a:r>
+            <a:r>
+              <a:rPr lang="en-US" altLang="ja-JP" sz="1400" dirty="0" err="1" smtClean="0"/>
+              <a:t>Kt</a:t>
+            </a:r>
+            <a:r>
+              <a:rPr lang="ja-JP" altLang="en-US" sz="1400" dirty="0" smtClean="0"/>
+              <a:t>で再利用</a:t>
+            </a:r>
+            <a:endParaRPr lang="en-US" altLang="ja-JP" sz="1400" dirty="0"/>
+          </a:p>
+        </p:txBody>
+      </p:sp>
+    </p:spTree>
+    <p:extLst>
+      <p:ext uri="{BB962C8B-B14F-4D97-AF65-F5344CB8AC3E}">
+        <p14:creationId xmlns:p14="http://schemas.microsoft.com/office/powerpoint/2010/main" val="410751019"/>
+      </p:ext>
+    </p:extLst>
+  </p:cSld>
+  <p:clrMapOvr>
+    <a:masterClrMapping/>
+  </p:clrMapOvr>
+</p:sld>
+</file>
+
+<file path=ppt/slides/slide6.xml><?xml version="1.0" encoding="utf-8"?>
+<p:sld xmlns:a="http://schemas.openxmlformats.org/drawingml/2006/main" xmlns:r="http://schemas.openxmlformats.org/officeDocument/2006/relationships" xmlns:p="http://schemas.openxmlformats.org/presentationml/2006/main">
+  <p:cSld>
+    <p:spTree>
+      <p:nvGrpSpPr>
+        <p:cNvPr id="1" name=""/>
+        <p:cNvGrpSpPr/>
+        <p:nvPr/>
+      </p:nvGrpSpPr>
+      <p:grpSpPr>
+        <a:xfrm>
+          <a:off x="0" y="0"/>
+          <a:ext cx="0" cy="0"/>
+          <a:chOff x="0" y="0"/>
+          <a:chExt cx="0" cy="0"/>
+        </a:xfrm>
+      </p:grpSpPr>
+      <p:sp>
+        <p:nvSpPr>
+          <p:cNvPr id="25" name="テキスト ボックス 24"/>
+          <p:cNvSpPr txBox="1"/>
+          <p:nvPr/>
+        </p:nvSpPr>
+        <p:spPr>
+          <a:xfrm>
+            <a:off x="-1" y="0"/>
+            <a:ext cx="9144001" cy="246221"/>
+          </a:xfrm>
+          <a:prstGeom prst="rect">
+            <a:avLst/>
+          </a:prstGeom>
+          <a:noFill/>
+        </p:spPr>
+        <p:txBody>
+          <a:bodyPr wrap="square" lIns="0" tIns="0" rIns="0" bIns="0" rtlCol="0">
+            <a:spAutoFit/>
+          </a:bodyPr>
+          <a:lstStyle/>
+          <a:p>
+            <a:r>
+              <a:rPr lang="en-US" altLang="zh-TW" sz="1600" dirty="0">
+                <a:solidFill>
+                  <a:schemeClr val="bg1"/>
+                </a:solidFill>
+                <a:latin typeface="Meiryo UI" pitchFamily="50" charset="-128"/>
+                <a:ea typeface="Meiryo UI" pitchFamily="50" charset="-128"/>
+                <a:cs typeface="Meiryo UI" pitchFamily="50" charset="-128"/>
+              </a:rPr>
+              <a:t>Transfer in Reinforcement </a:t>
+            </a:r>
+            <a:r>
+              <a:rPr lang="en-US" altLang="zh-TW" sz="1600" dirty="0" err="1">
+                <a:solidFill>
+                  <a:schemeClr val="bg1"/>
+                </a:solidFill>
+                <a:latin typeface="Meiryo UI" pitchFamily="50" charset="-128"/>
+                <a:ea typeface="Meiryo UI" pitchFamily="50" charset="-128"/>
+                <a:cs typeface="Meiryo UI" pitchFamily="50" charset="-128"/>
+              </a:rPr>
+              <a:t>Learning_a</a:t>
+            </a:r>
+            <a:r>
+              <a:rPr lang="en-US" altLang="zh-TW" sz="1600" dirty="0">
+                <a:solidFill>
+                  <a:schemeClr val="bg1"/>
+                </a:solidFill>
+                <a:latin typeface="Meiryo UI" pitchFamily="50" charset="-128"/>
+                <a:ea typeface="Meiryo UI" pitchFamily="50" charset="-128"/>
+                <a:cs typeface="Meiryo UI" pitchFamily="50" charset="-128"/>
+              </a:rPr>
+              <a:t> Framework and a Survey</a:t>
+            </a:r>
+            <a:endParaRPr kumimoji="1" lang="ja-JP" altLang="en-US" sz="1600" dirty="0">
+              <a:solidFill>
+                <a:schemeClr val="bg1"/>
+              </a:solidFill>
+              <a:latin typeface="Meiryo UI" pitchFamily="50" charset="-128"/>
+              <a:ea typeface="Meiryo UI" pitchFamily="50" charset="-128"/>
+              <a:cs typeface="Meiryo UI" pitchFamily="50" charset="-128"/>
+            </a:endParaRPr>
+          </a:p>
+        </p:txBody>
+      </p:sp>
+      <p:sp>
+        <p:nvSpPr>
+          <p:cNvPr id="34" name="正方形/長方形 33"/>
+          <p:cNvSpPr/>
+          <p:nvPr/>
+        </p:nvSpPr>
+        <p:spPr>
+          <a:xfrm>
+            <a:off x="-1" y="579118"/>
+            <a:ext cx="9005977" cy="338554"/>
+          </a:xfrm>
+          <a:prstGeom prst="rect">
+            <a:avLst/>
+          </a:prstGeom>
+        </p:spPr>
+        <p:txBody>
+          <a:bodyPr wrap="square">
+            <a:spAutoFit/>
+          </a:bodyPr>
+          <a:lstStyle/>
+          <a:p>
+            <a:r>
+              <a:rPr lang="ja-JP" altLang="en-US" sz="1600" dirty="0"/>
+              <a:t>■</a:t>
+            </a:r>
+            <a:r>
+              <a:rPr lang="en-US" altLang="ja-JP" sz="1600" dirty="0"/>
+              <a:t> ﻿</a:t>
+            </a:r>
+            <a:r>
+              <a:rPr lang="ja-JP" altLang="en-US" sz="1600" dirty="0" smtClean="0"/>
+              <a:t>この領域の関連</a:t>
+            </a:r>
+            <a:r>
+              <a:rPr lang="ja-JP" altLang="en-US" sz="1600" dirty="0"/>
+              <a:t>研究者</a:t>
+            </a:r>
+            <a:endParaRPr lang="en-US" altLang="ja-JP" sz="1600" dirty="0"/>
+          </a:p>
+        </p:txBody>
+      </p:sp>
+      <p:sp>
+        <p:nvSpPr>
+          <p:cNvPr id="7" name="正方形/長方形 6">
+            <a:extLst>
+              <a:ext uri="{FF2B5EF4-FFF2-40B4-BE49-F238E27FC236}">
+                <a16:creationId xmlns:a16="http://schemas.microsoft.com/office/drawing/2014/main" id="{7E285AEE-007E-9443-8365-E52D710290EB}"/>
+              </a:ext>
+            </a:extLst>
+          </p:cNvPr>
+          <p:cNvSpPr/>
+          <p:nvPr/>
+        </p:nvSpPr>
+        <p:spPr>
+          <a:xfrm>
+            <a:off x="297512" y="866599"/>
+            <a:ext cx="8708463" cy="1169551"/>
+          </a:xfrm>
+          <a:prstGeom prst="rect">
+            <a:avLst/>
+          </a:prstGeom>
+        </p:spPr>
+        <p:txBody>
+          <a:bodyPr wrap="square">
+            <a:spAutoFit/>
+          </a:bodyPr>
+          <a:lstStyle/>
+          <a:p>
+            <a:r>
+              <a:rPr lang="ja-JP" altLang="en-US" sz="1400" dirty="0" smtClean="0"/>
+              <a:t>・</a:t>
+            </a:r>
+            <a:r>
+              <a:rPr lang="en-US" altLang="ja-JP" sz="1400" dirty="0"/>
+              <a:t>Alessandro </a:t>
+            </a:r>
+            <a:r>
+              <a:rPr lang="en-US" altLang="ja-JP" sz="1400" dirty="0" err="1" smtClean="0"/>
+              <a:t>Lazaric</a:t>
+            </a:r>
+            <a:endParaRPr lang="en-US" altLang="ja-JP" sz="1400" dirty="0"/>
+          </a:p>
+          <a:p>
+            <a:r>
+              <a:rPr lang="ja-JP" altLang="en-US" sz="1400" dirty="0" smtClean="0"/>
+              <a:t>・</a:t>
+            </a:r>
+            <a:r>
+              <a:rPr lang="en-US" altLang="ja-JP" sz="1400" dirty="0"/>
+              <a:t>Yaakov </a:t>
+            </a:r>
+            <a:r>
+              <a:rPr lang="en-US" altLang="ja-JP" sz="1400" dirty="0" smtClean="0"/>
+              <a:t>Engel</a:t>
+            </a:r>
+          </a:p>
+          <a:p>
+            <a:endParaRPr lang="en-US" altLang="ja-JP" sz="1400" dirty="0"/>
+          </a:p>
+          <a:p>
+            <a:r>
+              <a:rPr lang="ja-JP" altLang="en-US" sz="1400" dirty="0" smtClean="0"/>
+              <a:t>・</a:t>
+            </a:r>
+            <a:r>
+              <a:rPr lang="en-US" altLang="ja-JP" sz="1400" dirty="0"/>
+              <a:t>Matthew E. </a:t>
+            </a:r>
+            <a:r>
+              <a:rPr lang="en-US" altLang="ja-JP" sz="1400" dirty="0" smtClean="0"/>
+              <a:t>Taylor</a:t>
+            </a:r>
+            <a:r>
+              <a:rPr lang="ja-JP" altLang="en-US" sz="1400" dirty="0" smtClean="0"/>
+              <a:t>　　</a:t>
+            </a:r>
+            <a:r>
+              <a:rPr lang="en-US" altLang="ja-JP" sz="1400" dirty="0" smtClean="0"/>
+              <a:t>2009</a:t>
+            </a:r>
+            <a:r>
+              <a:rPr lang="ja-JP" altLang="en-US" sz="1400" dirty="0" smtClean="0"/>
+              <a:t>年の強化学習用転移学習サーベイ論文著者</a:t>
+            </a:r>
+            <a:endParaRPr lang="en-US" altLang="ja-JP" sz="1400" dirty="0" smtClean="0"/>
+          </a:p>
+          <a:p>
+            <a:r>
+              <a:rPr lang="ja-JP" altLang="en-US" sz="1400" dirty="0" smtClean="0"/>
+              <a:t>・</a:t>
+            </a:r>
+            <a:r>
+              <a:rPr lang="en-US" altLang="ja-JP" sz="1400" dirty="0"/>
+              <a:t>Peter </a:t>
+            </a:r>
+            <a:r>
+              <a:rPr lang="en-US" altLang="ja-JP" sz="1400" dirty="0" smtClean="0"/>
+              <a:t>Stone</a:t>
+            </a:r>
+            <a:r>
+              <a:rPr lang="ja-JP" altLang="en-US" sz="1400" dirty="0"/>
+              <a:t>　　</a:t>
+            </a:r>
+            <a:r>
+              <a:rPr lang="en-US" altLang="ja-JP" sz="1400" dirty="0"/>
+              <a:t>2009</a:t>
+            </a:r>
+            <a:r>
+              <a:rPr lang="ja-JP" altLang="en-US" sz="1400" dirty="0"/>
+              <a:t>年の強化学習用転移学習サーベイ論文</a:t>
+            </a:r>
+            <a:r>
+              <a:rPr lang="ja-JP" altLang="en-US" sz="1400" dirty="0" smtClean="0"/>
+              <a:t>著者</a:t>
+            </a:r>
+            <a:endParaRPr lang="en-US" altLang="ja-JP" sz="1400" dirty="0"/>
+          </a:p>
+        </p:txBody>
+      </p:sp>
+    </p:spTree>
+    <p:extLst>
+      <p:ext uri="{BB962C8B-B14F-4D97-AF65-F5344CB8AC3E}">
+        <p14:creationId xmlns:p14="http://schemas.microsoft.com/office/powerpoint/2010/main" val="297993672"/>
       </p:ext>
     </p:extLst>
   </p:cSld>
